--- a/misc/reports and research/poster.pptx
+++ b/misc/reports and research/poster.pptx
@@ -3424,7 +3424,7 @@
         </p:nvSpPr>
         <p:spPr>
           <a:xfrm>
-            <a:off x="841248" y="630164"/>
+            <a:off x="841248" y="535846"/>
             <a:ext cx="10506456" cy="640852"/>
           </a:xfrm>
           <a:prstGeom prst="rect">
@@ -3449,7 +3449,7 @@
               </a:spcAft>
             </a:pPr>
             <a:r>
-              <a:rPr lang="en-US" sz="4000" b="1" u="sng" kern="1200" dirty="0">
+              <a:rPr lang="en-US" sz="3600" b="1" u="sng" kern="1200" dirty="0">
                 <a:solidFill>
                   <a:schemeClr val="tx1"/>
                 </a:solidFill>
@@ -3457,7 +3457,7 @@
                 <a:ea typeface="+mj-ea"/>
                 <a:cs typeface="+mj-cs"/>
               </a:rPr>
-              <a:t>Visualising Audio in a reverberant space</a:t>
+              <a:t>Visualising Audio in an Enclosed Reverberant Space</a:t>
             </a:r>
           </a:p>
         </p:txBody>
@@ -3614,7 +3614,7 @@
         <p:spPr>
           <a:xfrm>
             <a:off x="8532705" y="1792816"/>
-            <a:ext cx="3066125" cy="907941"/>
+            <a:ext cx="3066125" cy="1031051"/>
           </a:xfrm>
           <a:prstGeom prst="rect">
             <a:avLst/>
@@ -3673,8 +3673,24 @@
                 <a:ea typeface="+mn-ea"/>
                 <a:cs typeface="+mn-cs"/>
               </a:rPr>
-              <a:t>The system calculates reflections by calculating delay times using the distance from the speaker to a virtual point.</a:t>
-            </a:r>
+              <a:t>The system calculates reflections by getting delay times using the distance from the speaker to a virtual point</a:t>
+            </a:r>
+            <a:r>
+              <a:rPr lang="en-GB" sz="800" dirty="0"/>
+              <a:t> representing the path the ray takes as a straight line going through </a:t>
+            </a:r>
+            <a:r>
+              <a:rPr lang="en-GB" sz="800"/>
+              <a:t>the walls.</a:t>
+            </a:r>
+            <a:endParaRPr lang="en-GB" sz="800" kern="1200" dirty="0">
+              <a:solidFill>
+                <a:schemeClr val="tx1"/>
+              </a:solidFill>
+              <a:latin typeface="+mn-lt"/>
+              <a:ea typeface="+mn-ea"/>
+              <a:cs typeface="+mn-cs"/>
+            </a:endParaRPr>
           </a:p>
           <a:p>
             <a:pPr marL="128588" indent="-128588" defTabSz="685800">
@@ -3724,7 +3740,7 @@
         </p:nvSpPr>
         <p:spPr>
           <a:xfrm>
-            <a:off x="5062743" y="1903972"/>
+            <a:off x="5062742" y="1787858"/>
             <a:ext cx="3057623" cy="1277273"/>
           </a:xfrm>
           <a:prstGeom prst="rect">
@@ -3792,7 +3808,22 @@
                 <a:ea typeface="+mn-ea"/>
                 <a:cs typeface="+mn-cs"/>
               </a:rPr>
-              <a:t>The way I have chosen to provide that service is to host a website using node.js, the website both serves as a place to upload audio files for processing as well as the visualiser for playing files.</a:t>
+              <a:t>To provide that service </a:t>
+            </a:r>
+            <a:r>
+              <a:rPr lang="en-GB" sz="800" dirty="0"/>
+              <a:t>I have chosen to</a:t>
+            </a:r>
+            <a:r>
+              <a:rPr lang="en-GB" sz="800" kern="1200" dirty="0">
+                <a:solidFill>
+                  <a:schemeClr val="tx1"/>
+                </a:solidFill>
+                <a:latin typeface="+mn-lt"/>
+                <a:ea typeface="+mn-ea"/>
+                <a:cs typeface="+mn-cs"/>
+              </a:rPr>
+              <a:t> host a public website using node.js, the website both serves as a place to upload audio files for processing as well as being the visualiser for playing files.</a:t>
             </a:r>
             <a:endParaRPr lang="en-GB" sz="1000" dirty="0"/>
           </a:p>
@@ -3868,7 +3899,22 @@
                 <a:ea typeface="+mn-ea"/>
                 <a:cs typeface="+mn-cs"/>
               </a:rPr>
-              <a:t>Due to the length of time the calculations take a queueing system is needed to sequence incoming requests. To do this the system uses a SQL database which tells both the digest algorithm and the node.js server who has a process order and whether it is completed.</a:t>
+              <a:t>Due to the length of time the calculations take, a queueing system is needed to sequence incoming requests. To do this the system uses a SQL database which tells both the digest algorithm and the node.js server who has a process order and whether it </a:t>
+            </a:r>
+            <a:r>
+              <a:rPr lang="en-GB" sz="800" dirty="0"/>
+              <a:t>has been</a:t>
+            </a:r>
+            <a:r>
+              <a:rPr lang="en-GB" sz="800" kern="1200" dirty="0">
+                <a:solidFill>
+                  <a:schemeClr val="tx1"/>
+                </a:solidFill>
+                <a:latin typeface="+mn-lt"/>
+                <a:ea typeface="+mn-ea"/>
+                <a:cs typeface="+mn-cs"/>
+              </a:rPr>
+              <a:t> completed.</a:t>
             </a:r>
             <a:endParaRPr lang="en-GB" sz="1000" dirty="0"/>
           </a:p>
@@ -4093,7 +4139,7 @@
         </p:blipFill>
         <p:spPr>
           <a:xfrm>
-            <a:off x="5381781" y="3251768"/>
+            <a:off x="5381780" y="3137576"/>
             <a:ext cx="2419546" cy="1310587"/>
           </a:xfrm>
           <a:prstGeom prst="rect">
@@ -4171,17 +4217,12 @@
                 <a:ea typeface="+mn-ea"/>
                 <a:cs typeface="+mn-cs"/>
               </a:rPr>
-              <a:t>This system allows a user to upload any wav file and calculates the correlation between the input and the resulting audio at multiple points throughout a cuboid room.</a:t>
-            </a:r>
-          </a:p>
-          <a:p>
-            <a:pPr marL="214313" indent="-214313" defTabSz="685800">
-              <a:spcAft>
-                <a:spcPts val="600"/>
-              </a:spcAft>
-              <a:buFont typeface="Arial" panose="020B0604020202020204" pitchFamily="34" charset="0"/>
-              <a:buChar char="•"/>
-            </a:pPr>
+              <a:t>This system allows a user to upload a 16 bit stereo wav file and calculates the correlation between the </a:t>
+            </a:r>
+            <a:r>
+              <a:rPr lang="en-GB" sz="1050" dirty="0"/>
+              <a:t>original audio</a:t>
+            </a:r>
             <a:r>
               <a:rPr lang="en-GB" sz="1050" kern="1200" dirty="0">
                 <a:solidFill>
@@ -4191,7 +4232,42 @@
                 <a:ea typeface="+mn-ea"/>
                 <a:cs typeface="+mn-cs"/>
               </a:rPr>
-              <a:t>The user can then download a file which contains the reverberated audio at a set listening point, as well as the  correlation data for all points, which can then be played by an in browser visualiser. </a:t>
+              <a:t> and the resulting audio at multiple points throughout room.</a:t>
+            </a:r>
+          </a:p>
+          <a:p>
+            <a:pPr marL="214313" indent="-214313" defTabSz="685800">
+              <a:spcAft>
+                <a:spcPts val="600"/>
+              </a:spcAft>
+              <a:buFont typeface="Arial" panose="020B0604020202020204" pitchFamily="34" charset="0"/>
+              <a:buChar char="•"/>
+            </a:pPr>
+            <a:r>
+              <a:rPr lang="en-GB" sz="1050" kern="1200" dirty="0">
+                <a:solidFill>
+                  <a:schemeClr val="tx1"/>
+                </a:solidFill>
+                <a:latin typeface="+mn-lt"/>
+                <a:ea typeface="+mn-ea"/>
+                <a:cs typeface="+mn-cs"/>
+              </a:rPr>
+              <a:t>The user can then download a file which contains the reverberated audio at a set listening point, as well as the  correlation data for all points, which can then be played </a:t>
+            </a:r>
+            <a:r>
+              <a:rPr lang="en-GB" sz="1050" dirty="0"/>
+              <a:t>via</a:t>
+            </a:r>
+            <a:r>
+              <a:rPr lang="en-GB" sz="1050" kern="1200" dirty="0">
+                <a:solidFill>
+                  <a:schemeClr val="tx1"/>
+                </a:solidFill>
+                <a:latin typeface="+mn-lt"/>
+                <a:ea typeface="+mn-ea"/>
+                <a:cs typeface="+mn-cs"/>
+              </a:rPr>
+              <a:t> an in browser visualiser. </a:t>
             </a:r>
             <a:endParaRPr lang="en-GB" sz="1400" dirty="0"/>
           </a:p>
@@ -4290,7 +4366,7 @@
         </p:blipFill>
         <p:spPr>
           <a:xfrm>
-            <a:off x="797739" y="3907061"/>
+            <a:off x="797739" y="3790869"/>
             <a:ext cx="3160847" cy="1661093"/>
           </a:xfrm>
           <a:prstGeom prst="rect">
@@ -4312,7 +4388,7 @@
         </p:nvSpPr>
         <p:spPr>
           <a:xfrm>
-            <a:off x="797739" y="3645451"/>
+            <a:off x="797739" y="3531259"/>
             <a:ext cx="1184940" cy="261610"/>
           </a:xfrm>
           <a:prstGeom prst="rect">
@@ -4329,6 +4405,41 @@
             <a:r>
               <a:rPr lang="en-GB" sz="1100" b="1" dirty="0"/>
               <a:t>System overview</a:t>
+            </a:r>
+          </a:p>
+        </p:txBody>
+      </p:sp>
+      <p:sp>
+        <p:nvSpPr>
+          <p:cNvPr id="21" name="TextBox 20">
+            <a:extLst>
+              <a:ext uri="{FF2B5EF4-FFF2-40B4-BE49-F238E27FC236}">
+                <a16:creationId xmlns:a16="http://schemas.microsoft.com/office/drawing/2014/main" id="{B890FBAF-75B8-D823-7BA6-9723FCD3D26F}"/>
+              </a:ext>
+            </a:extLst>
+          </p:cNvPr>
+          <p:cNvSpPr txBox="1"/>
+          <p:nvPr/>
+        </p:nvSpPr>
+        <p:spPr>
+          <a:xfrm>
+            <a:off x="8397485" y="1307305"/>
+            <a:ext cx="2945678" cy="276999"/>
+          </a:xfrm>
+          <a:prstGeom prst="rect">
+            <a:avLst/>
+          </a:prstGeom>
+          <a:noFill/>
+        </p:spPr>
+        <p:txBody>
+          <a:bodyPr wrap="none" rtlCol="0">
+            <a:spAutoFit/>
+          </a:bodyPr>
+          <a:lstStyle/>
+          <a:p>
+            <a:r>
+              <a:rPr lang="en-GB" sz="1200" dirty="0"/>
+              <a:t>Joe Davison – u1958945@unimail.hud.ac.uk</a:t>
             </a:r>
           </a:p>
         </p:txBody>
